--- a/2- Yazılım Test Metodolojileri/Yazılım Test Metodolojileri_w2.pptx
+++ b/2- Yazılım Test Metodolojileri/Yazılım Test Metodolojileri_w2.pptx
@@ -15243,6 +15243,13 @@
   <p:clrMapOvr>
     <a:masterClrMapping/>
   </p:clrMapOvr>
+  <p:timing>
+    <p:tnLst>
+      <p:par>
+        <p:cTn id="1" dur="indefinite" restart="never" nodeType="tmRoot"/>
+      </p:par>
+    </p:tnLst>
+  </p:timing>
 </p:sld>
 </file>
 
@@ -15915,6 +15922,13 @@
   <p:clrMapOvr>
     <a:masterClrMapping/>
   </p:clrMapOvr>
+  <p:timing>
+    <p:tnLst>
+      <p:par>
+        <p:cTn id="1" dur="indefinite" restart="never" nodeType="tmRoot"/>
+      </p:par>
+    </p:tnLst>
+  </p:timing>
 </p:sld>
 </file>
 
@@ -16987,6 +17001,13 @@
   <p:clrMapOvr>
     <a:masterClrMapping/>
   </p:clrMapOvr>
+  <p:timing>
+    <p:tnLst>
+      <p:par>
+        <p:cTn id="1" dur="indefinite" restart="never" nodeType="tmRoot"/>
+      </p:par>
+    </p:tnLst>
+  </p:timing>
 </p:sld>
 </file>
 
@@ -17087,6 +17108,13 @@
   <p:clrMapOvr>
     <a:masterClrMapping/>
   </p:clrMapOvr>
+  <p:timing>
+    <p:tnLst>
+      <p:par>
+        <p:cTn id="1" dur="indefinite" restart="never" nodeType="tmRoot"/>
+      </p:par>
+    </p:tnLst>
+  </p:timing>
 </p:sld>
 </file>
 
@@ -17211,6 +17239,13 @@
   <p:clrMapOvr>
     <a:masterClrMapping/>
   </p:clrMapOvr>
+  <p:timing>
+    <p:tnLst>
+      <p:par>
+        <p:cTn id="1" dur="indefinite" restart="never" nodeType="tmRoot"/>
+      </p:par>
+    </p:tnLst>
+  </p:timing>
 </p:sld>
 </file>
 
@@ -17311,6 +17346,13 @@
   <p:clrMapOvr>
     <a:masterClrMapping/>
   </p:clrMapOvr>
+  <p:timing>
+    <p:tnLst>
+      <p:par>
+        <p:cTn id="1" dur="indefinite" restart="never" nodeType="tmRoot"/>
+      </p:par>
+    </p:tnLst>
+  </p:timing>
 </p:sld>
 </file>
 
@@ -18111,6 +18153,13 @@
   <p:clrMapOvr>
     <a:masterClrMapping/>
   </p:clrMapOvr>
+  <p:timing>
+    <p:tnLst>
+      <p:par>
+        <p:cTn id="1" dur="indefinite" restart="never" nodeType="tmRoot"/>
+      </p:par>
+    </p:tnLst>
+  </p:timing>
 </p:sld>
 </file>
 
@@ -18622,6 +18671,13 @@
   <p:clrMapOvr>
     <a:masterClrMapping/>
   </p:clrMapOvr>
+  <p:timing>
+    <p:tnLst>
+      <p:par>
+        <p:cTn id="1" dur="indefinite" restart="never" nodeType="tmRoot"/>
+      </p:par>
+    </p:tnLst>
+  </p:timing>
 </p:sld>
 </file>
 
@@ -18700,8 +18756,8 @@
         </p:nvSpPr>
         <p:spPr bwMode="auto">
           <a:xfrm>
-            <a:off x="1410582" y="2289242"/>
-            <a:ext cx="9946954" cy="3785652"/>
+            <a:off x="557142" y="2270061"/>
+            <a:ext cx="10939914" cy="3970318"/>
           </a:xfrm>
           <a:prstGeom prst="rect">
             <a:avLst/>
@@ -18736,7 +18792,7 @@
           </a:extLst>
         </p:spPr>
         <p:txBody>
-          <a:bodyPr vert="horz" wrap="none" lIns="91440" tIns="45720" rIns="91440" bIns="45720" numCol="1" anchor="ctr" anchorCtr="0" compatLnSpc="1">
+          <a:bodyPr vert="horz" wrap="square" lIns="91440" tIns="45720" rIns="91440" bIns="45720" numCol="1" anchor="ctr" anchorCtr="0" compatLnSpc="1">
             <a:prstTxWarp prst="textNoShape">
               <a:avLst/>
             </a:prstTxWarp>
@@ -18788,12 +18844,39 @@
               <a:buNone/>
               <a:tabLst/>
             </a:pPr>
-            <a:endParaRPr lang="tr-TR" altLang="en-US" sz="1600" i="1" dirty="0">
-              <a:solidFill>
-                <a:schemeClr val="tx1"/>
-              </a:solidFill>
-              <a:latin typeface="Consolas" panose="020B0609020204030204" pitchFamily="49" charset="0"/>
-            </a:endParaRPr>
+            <a:r>
+              <a:rPr lang="tr-TR" altLang="en-US" sz="2000" dirty="0" smtClean="0"/>
+              <a:t>- </a:t>
+            </a:r>
+            <a:r>
+              <a:rPr lang="tr-TR" altLang="en-US" sz="2000" dirty="0" err="1" smtClean="0"/>
+              <a:t>Github</a:t>
+            </a:r>
+            <a:r>
+              <a:rPr lang="tr-TR" altLang="en-US" sz="2000" dirty="0" smtClean="0"/>
+              <a:t> </a:t>
+            </a:r>
+            <a:r>
+              <a:rPr lang="tr-TR" altLang="en-US" sz="2000" dirty="0" err="1"/>
+              <a:t>repository’den</a:t>
+            </a:r>
+            <a:r>
+              <a:rPr lang="tr-TR" altLang="en-US" sz="2000" dirty="0"/>
+              <a:t> «assignment_01» isimli projeyi </a:t>
+            </a:r>
+            <a:r>
+              <a:rPr lang="tr-TR" altLang="en-US" sz="2000" dirty="0" err="1"/>
+              <a:t>clone</a:t>
+            </a:r>
+            <a:r>
+              <a:rPr lang="tr-TR" altLang="en-US" sz="2000" dirty="0"/>
+              <a:t> ile lokal bilgisayarınıza </a:t>
+            </a:r>
+            <a:r>
+              <a:rPr lang="tr-TR" altLang="en-US" sz="2000" dirty="0" smtClean="0"/>
+              <a:t>alınız. </a:t>
+            </a:r>
+            <a:endParaRPr lang="tr-TR" altLang="en-US" sz="2000" dirty="0"/>
           </a:p>
           <a:p>
             <a:pPr marL="0" marR="0" lvl="0" indent="0" algn="l" defTabSz="914400" rtl="0" eaLnBrk="0" fontAlgn="base" latinLnBrk="0" hangingPunct="0">
@@ -18813,143 +18896,45 @@
               <a:tabLst/>
             </a:pPr>
             <a:r>
-              <a:rPr kumimoji="0" lang="tr-TR" altLang="en-US" sz="1600" b="0" i="1" u="none" strike="noStrike" cap="none" normalizeH="0" baseline="0" dirty="0" smtClean="0">
-                <a:ln>
-                  <a:noFill/>
-                </a:ln>
-                <a:solidFill>
-                  <a:schemeClr val="tx1"/>
-                </a:solidFill>
-                <a:effectLst/>
-                <a:latin typeface="Consolas" panose="020B0609020204030204" pitchFamily="49" charset="0"/>
-              </a:rPr>
-              <a:t>Aşağıdaki soruyu kendi bulacağınız</a:t>
-            </a:r>
-            <a:r>
-              <a:rPr kumimoji="0" lang="tr-TR" altLang="en-US" sz="1600" b="0" i="1" u="none" strike="noStrike" cap="none" normalizeH="0" dirty="0" smtClean="0">
-                <a:ln>
-                  <a:noFill/>
-                </a:ln>
-                <a:solidFill>
-                  <a:schemeClr val="tx1"/>
-                </a:solidFill>
-                <a:effectLst/>
-                <a:latin typeface="Consolas" panose="020B0609020204030204" pitchFamily="49" charset="0"/>
-              </a:rPr>
-              <a:t> </a:t>
-            </a:r>
-            <a:r>
-              <a:rPr kumimoji="0" lang="tr-TR" altLang="en-US" sz="1600" b="0" i="1" u="none" strike="noStrike" cap="none" normalizeH="0" dirty="0" err="1" smtClean="0">
-                <a:ln>
-                  <a:noFill/>
-                </a:ln>
-                <a:solidFill>
-                  <a:schemeClr val="tx1"/>
-                </a:solidFill>
-                <a:effectLst/>
-                <a:latin typeface="Consolas" panose="020B0609020204030204" pitchFamily="49" charset="0"/>
-              </a:rPr>
+              <a:rPr lang="tr-TR" altLang="en-US" sz="2000" dirty="0" smtClean="0"/>
+              <a:t>- Aşağıdaki </a:t>
+            </a:r>
+            <a:r>
+              <a:rPr lang="tr-TR" altLang="en-US" sz="2000" dirty="0"/>
+              <a:t>sorunun </a:t>
+            </a:r>
+            <a:r>
+              <a:rPr lang="tr-TR" altLang="en-US" sz="2000" dirty="0" err="1"/>
+              <a:t>implement</a:t>
+            </a:r>
+            <a:r>
+              <a:rPr lang="tr-TR" altLang="en-US" sz="2000" dirty="0"/>
+              <a:t> edilmiş metodunu kendi bulacağınız </a:t>
+            </a:r>
+            <a:r>
+              <a:rPr lang="tr-TR" altLang="en-US" sz="2000" dirty="0" err="1"/>
               <a:t>inputlar</a:t>
             </a:r>
             <a:r>
-              <a:rPr kumimoji="0" lang="tr-TR" altLang="en-US" sz="1600" b="0" i="1" u="none" strike="noStrike" cap="none" normalizeH="0" dirty="0" smtClean="0">
-                <a:ln>
-                  <a:noFill/>
-                </a:ln>
-                <a:solidFill>
-                  <a:schemeClr val="tx1"/>
-                </a:solidFill>
-                <a:effectLst/>
-                <a:latin typeface="Consolas" panose="020B0609020204030204" pitchFamily="49" charset="0"/>
-              </a:rPr>
-              <a:t> üzerinden </a:t>
-            </a:r>
-            <a:r>
-              <a:rPr kumimoji="0" lang="tr-TR" altLang="en-US" sz="1600" b="0" i="1" u="none" strike="noStrike" cap="none" normalizeH="0" dirty="0" err="1" smtClean="0">
-                <a:ln>
-                  <a:noFill/>
-                </a:ln>
-                <a:solidFill>
-                  <a:schemeClr val="tx1"/>
-                </a:solidFill>
-                <a:effectLst/>
-                <a:latin typeface="Consolas" panose="020B0609020204030204" pitchFamily="49" charset="0"/>
-              </a:rPr>
-              <a:t>unit</a:t>
-            </a:r>
-            <a:r>
-              <a:rPr kumimoji="0" lang="tr-TR" altLang="en-US" sz="1600" b="0" i="1" u="none" strike="noStrike" cap="none" normalizeH="0" dirty="0" smtClean="0">
-                <a:ln>
-                  <a:noFill/>
-                </a:ln>
-                <a:solidFill>
-                  <a:schemeClr val="tx1"/>
-                </a:solidFill>
-                <a:effectLst/>
-                <a:latin typeface="Consolas" panose="020B0609020204030204" pitchFamily="49" charset="0"/>
-              </a:rPr>
+              <a:rPr lang="tr-TR" altLang="en-US" sz="2000" dirty="0"/>
+              <a:t> ile </a:t>
+            </a:r>
+            <a:r>
+              <a:rPr lang="tr-TR" altLang="en-US" sz="2000" dirty="0" err="1"/>
+              <a:t>Junit</a:t>
+            </a:r>
+            <a:r>
+              <a:rPr lang="tr-TR" altLang="en-US" sz="2000" dirty="0"/>
               <a:t> testlerini </a:t>
             </a:r>
             <a:r>
-              <a:rPr kumimoji="0" lang="tr-TR" altLang="en-US" sz="1600" b="0" i="1" u="none" strike="noStrike" cap="none" normalizeH="0" dirty="0" err="1" smtClean="0">
-                <a:ln>
-                  <a:noFill/>
-                </a:ln>
-                <a:solidFill>
-                  <a:schemeClr val="tx1"/>
-                </a:solidFill>
-                <a:effectLst/>
-                <a:latin typeface="Consolas" panose="020B0609020204030204" pitchFamily="49" charset="0"/>
-              </a:rPr>
+              <a:rPr lang="tr-TR" altLang="en-US" sz="2000" dirty="0" err="1"/>
               <a:t>implement</a:t>
             </a:r>
             <a:r>
-              <a:rPr kumimoji="0" lang="tr-TR" altLang="en-US" sz="1600" b="0" i="1" u="none" strike="noStrike" cap="none" normalizeH="0" dirty="0" smtClean="0">
-                <a:ln>
-                  <a:noFill/>
-                </a:ln>
-                <a:solidFill>
-                  <a:schemeClr val="tx1"/>
-                </a:solidFill>
-                <a:effectLst/>
-                <a:latin typeface="Consolas" panose="020B0609020204030204" pitchFamily="49" charset="0"/>
-              </a:rPr>
+              <a:rPr lang="tr-TR" altLang="en-US" sz="2000" dirty="0"/>
               <a:t> ediniz.</a:t>
             </a:r>
-            <a:endParaRPr kumimoji="0" lang="tr-TR" altLang="en-US" sz="1600" b="0" i="1" u="none" strike="noStrike" cap="none" normalizeH="0" baseline="0" dirty="0" smtClean="0">
-              <a:ln>
-                <a:noFill/>
-              </a:ln>
-              <a:solidFill>
-                <a:schemeClr val="tx1"/>
-              </a:solidFill>
-              <a:effectLst/>
-              <a:latin typeface="Consolas" panose="020B0609020204030204" pitchFamily="49" charset="0"/>
-            </a:endParaRPr>
-          </a:p>
-          <a:p>
-            <a:pPr marL="0" marR="0" lvl="0" indent="0" algn="l" defTabSz="914400" rtl="0" eaLnBrk="0" fontAlgn="base" latinLnBrk="0" hangingPunct="0">
-              <a:lnSpc>
-                <a:spcPct val="100000"/>
-              </a:lnSpc>
-              <a:spcBef>
-                <a:spcPct val="0"/>
-              </a:spcBef>
-              <a:spcAft>
-                <a:spcPct val="0"/>
-              </a:spcAft>
-              <a:buClrTx/>
-              <a:buSzTx/>
-              <a:buFontTx/>
-              <a:buNone/>
-              <a:tabLst/>
-            </a:pPr>
-            <a:endParaRPr lang="tr-TR" altLang="en-US" sz="1600" i="1" dirty="0">
-              <a:solidFill>
-                <a:schemeClr val="tx1"/>
-              </a:solidFill>
-              <a:latin typeface="Consolas" panose="020B0609020204030204" pitchFamily="49" charset="0"/>
-            </a:endParaRPr>
           </a:p>
           <a:p>
             <a:pPr marL="0" marR="0" lvl="0" indent="0" algn="l" defTabSz="914400" rtl="0" eaLnBrk="0" fontAlgn="base" latinLnBrk="0" hangingPunct="0">
@@ -19530,6 +19515,13 @@
   <p:clrMapOvr>
     <a:masterClrMapping/>
   </p:clrMapOvr>
+  <p:timing>
+    <p:tnLst>
+      <p:par>
+        <p:cTn id="1" dur="indefinite" restart="never" nodeType="tmRoot"/>
+      </p:par>
+    </p:tnLst>
+  </p:timing>
 </p:sld>
 </file>
 
@@ -20545,6 +20537,13 @@
   <p:clrMapOvr>
     <a:masterClrMapping/>
   </p:clrMapOvr>
+  <p:timing>
+    <p:tnLst>
+      <p:par>
+        <p:cTn id="1" dur="indefinite" restart="never" nodeType="tmRoot"/>
+      </p:par>
+    </p:tnLst>
+  </p:timing>
 </p:sld>
 </file>
 
@@ -20794,6 +20793,13 @@
   <p:clrMapOvr>
     <a:masterClrMapping/>
   </p:clrMapOvr>
+  <p:timing>
+    <p:tnLst>
+      <p:par>
+        <p:cTn id="1" dur="indefinite" restart="never" nodeType="tmRoot"/>
+      </p:par>
+    </p:tnLst>
+  </p:timing>
 </p:sld>
 </file>
 
@@ -22230,6 +22236,13 @@
   <p:clrMapOvr>
     <a:masterClrMapping/>
   </p:clrMapOvr>
+  <p:timing>
+    <p:tnLst>
+      <p:par>
+        <p:cTn id="1" dur="indefinite" restart="never" nodeType="tmRoot"/>
+      </p:par>
+    </p:tnLst>
+  </p:timing>
 </p:sld>
 </file>
 
@@ -23092,6 +23105,13 @@
   <p:clrMapOvr>
     <a:masterClrMapping/>
   </p:clrMapOvr>
+  <p:timing>
+    <p:tnLst>
+      <p:par>
+        <p:cTn id="1" dur="indefinite" restart="never" nodeType="tmRoot"/>
+      </p:par>
+    </p:tnLst>
+  </p:timing>
 </p:sld>
 </file>
 
@@ -23859,6 +23879,13 @@
   <p:clrMapOvr>
     <a:masterClrMapping/>
   </p:clrMapOvr>
+  <p:timing>
+    <p:tnLst>
+      <p:par>
+        <p:cTn id="1" dur="indefinite" restart="never" nodeType="tmRoot"/>
+      </p:par>
+    </p:tnLst>
+  </p:timing>
 </p:sld>
 </file>
 
@@ -24718,6 +24745,23 @@
 </file>
 
 <file path=customXml/item1.xml><?xml version="1.0" encoding="utf-8"?>
+<p:properties xmlns:p="http://schemas.microsoft.com/office/2006/metadata/properties" xmlns:xsi="http://www.w3.org/2001/XMLSchema-instance" xmlns:pc="http://schemas.microsoft.com/office/infopath/2007/PartnerControls">
+  <documentManagement>
+    <MediaServiceKeyPoints xmlns="71af3243-3dd4-4a8d-8c0d-dd76da1f02a5" xsi:nil="true"/>
+  </documentManagement>
+</p:properties>
+</file>
+
+<file path=customXml/item2.xml><?xml version="1.0" encoding="utf-8"?>
+<?mso-contentType ?>
+<FormTemplates xmlns="http://schemas.microsoft.com/sharepoint/v3/contenttype/forms">
+  <Display>DocumentLibraryForm</Display>
+  <Edit>DocumentLibraryForm</Edit>
+  <New>DocumentLibraryForm</New>
+</FormTemplates>
+</file>
+
+<file path=customXml/item3.xml><?xml version="1.0" encoding="utf-8"?>
 <ct:contentTypeSchema xmlns:ct="http://schemas.microsoft.com/office/2006/metadata/contentType" xmlns:ma="http://schemas.microsoft.com/office/2006/metadata/properties/metaAttributes" ct:_="" ma:_="" ma:contentTypeName="Document" ma:contentTypeID="0x01010079F111ED35F8CC479449609E8A0923A6" ma:contentTypeVersion="11" ma:contentTypeDescription="Create a new document." ma:contentTypeScope="" ma:versionID="96291512c1ee715ab617f4c07df79fc1">
   <xsd:schema xmlns:xsd="http://www.w3.org/2001/XMLSchema" xmlns:xs="http://www.w3.org/2001/XMLSchema" xmlns:p="http://schemas.microsoft.com/office/2006/metadata/properties" xmlns:ns2="71af3243-3dd4-4a8d-8c0d-dd76da1f02a5" xmlns:ns3="16c05727-aa75-4e4a-9b5f-8a80a1165891" targetNamespace="http://schemas.microsoft.com/office/2006/metadata/properties" ma:root="true" ma:fieldsID="8256c27c40ca5c40ce1cf6c44f0205df" ns2:_="" ns3:_="">
     <xsd:import namespace="71af3243-3dd4-4a8d-8c0d-dd76da1f02a5"/>
@@ -24928,24 +24972,25 @@
 </ct:contentTypeSchema>
 </file>
 
-<file path=customXml/item2.xml><?xml version="1.0" encoding="utf-8"?>
-<?mso-contentType ?>
-<FormTemplates xmlns="http://schemas.microsoft.com/sharepoint/v3/contenttype/forms">
-  <Display>DocumentLibraryForm</Display>
-  <Edit>DocumentLibraryForm</Edit>
-  <New>DocumentLibraryForm</New>
-</FormTemplates>
+<file path=customXml/itemProps1.xml><?xml version="1.0" encoding="utf-8"?>
+<ds:datastoreItem xmlns:ds="http://schemas.openxmlformats.org/officeDocument/2006/customXml" ds:itemID="{F983CA34-C6E2-49BA-ACFF-78ADEC0C28FA}">
+  <ds:schemaRefs>
+    <ds:schemaRef ds:uri="http://schemas.microsoft.com/office/2006/metadata/properties"/>
+    <ds:schemaRef ds:uri="http://schemas.microsoft.com/office/infopath/2007/PartnerControls"/>
+    <ds:schemaRef ds:uri="71af3243-3dd4-4a8d-8c0d-dd76da1f02a5"/>
+  </ds:schemaRefs>
+</ds:datastoreItem>
 </file>
 
-<file path=customXml/item3.xml><?xml version="1.0" encoding="utf-8"?>
-<p:properties xmlns:p="http://schemas.microsoft.com/office/2006/metadata/properties" xmlns:xsi="http://www.w3.org/2001/XMLSchema-instance" xmlns:pc="http://schemas.microsoft.com/office/infopath/2007/PartnerControls">
-  <documentManagement>
-    <MediaServiceKeyPoints xmlns="71af3243-3dd4-4a8d-8c0d-dd76da1f02a5" xsi:nil="true"/>
-  </documentManagement>
-</p:properties>
+<file path=customXml/itemProps2.xml><?xml version="1.0" encoding="utf-8"?>
+<ds:datastoreItem xmlns:ds="http://schemas.openxmlformats.org/officeDocument/2006/customXml" ds:itemID="{CCB9AE35-8A31-4380-94A6-86E5DFCDD123}">
+  <ds:schemaRefs>
+    <ds:schemaRef ds:uri="http://schemas.microsoft.com/sharepoint/v3/contenttype/forms"/>
+  </ds:schemaRefs>
+</ds:datastoreItem>
 </file>
 
-<file path=customXml/itemProps1.xml><?xml version="1.0" encoding="utf-8"?>
+<file path=customXml/itemProps3.xml><?xml version="1.0" encoding="utf-8"?>
 <ds:datastoreItem xmlns:ds="http://schemas.openxmlformats.org/officeDocument/2006/customXml" ds:itemID="{570D0EAE-52CD-493E-A174-3A7CD0E9C7B2}">
   <ds:schemaRefs>
     <ds:schemaRef ds:uri="http://schemas.microsoft.com/office/2006/metadata/contentType"/>
@@ -24962,22 +25007,4 @@
     <ds:schemaRef ds:uri="http://schemas.microsoft.com/internal/obd"/>
   </ds:schemaRefs>
 </ds:datastoreItem>
-</file>
-
-<file path=customXml/itemProps2.xml><?xml version="1.0" encoding="utf-8"?>
-<ds:datastoreItem xmlns:ds="http://schemas.openxmlformats.org/officeDocument/2006/customXml" ds:itemID="{CCB9AE35-8A31-4380-94A6-86E5DFCDD123}">
-  <ds:schemaRefs>
-    <ds:schemaRef ds:uri="http://schemas.microsoft.com/sharepoint/v3/contenttype/forms"/>
-  </ds:schemaRefs>
-</ds:datastoreItem>
-</file>
-
-<file path=customXml/itemProps3.xml><?xml version="1.0" encoding="utf-8"?>
-<ds:datastoreItem xmlns:ds="http://schemas.openxmlformats.org/officeDocument/2006/customXml" ds:itemID="{F983CA34-C6E2-49BA-ACFF-78ADEC0C28FA}">
-  <ds:schemaRefs>
-    <ds:schemaRef ds:uri="http://schemas.microsoft.com/office/2006/metadata/properties"/>
-    <ds:schemaRef ds:uri="http://schemas.microsoft.com/office/infopath/2007/PartnerControls"/>
-    <ds:schemaRef ds:uri="71af3243-3dd4-4a8d-8c0d-dd76da1f02a5"/>
-  </ds:schemaRefs>
-</ds:datastoreItem>
 </file>